--- a/05 Apply- purrr- tidyverse Programming/05_apply__purrr__tidyverse_programming.pptx
+++ b/05 Apply- purrr- tidyverse Programming/05_apply__purrr__tidyverse_programming.pptx
@@ -7088,7 +7088,7 @@
         </p:spPr>
         <p:txBody>
           <a:bodyPr>
-            <a:normAutofit lnSpcReduction="10000"/>
+            <a:normAutofit/>
           </a:bodyPr>
           <a:lstStyle/>
           <a:p>
@@ -7126,13 +7126,13 @@
               <a:buNone/>
             </a:pPr>
             <a:r>
-              <a:rPr lang="ro-RO" sz="3000" dirty="0">
+              <a:rPr lang="ro-RO" dirty="0">
                 <a:cs typeface="Avenir Medium"/>
                 <a:hlinkClick r:id="rId2"/>
               </a:rPr>
               <a:t>https://github.com/marinfotache/Data-Processing-Analysis-Science-with-R/blob/master/05%20Apply-%20purrr-%20tidyverse%20Programming/05a_apply_family.R</a:t>
             </a:r>
-            <a:endParaRPr lang="ro-RO" sz="3000" dirty="0">
+            <a:endParaRPr lang="ro-RO" dirty="0">
               <a:cs typeface="Avenir Medium"/>
             </a:endParaRPr>
           </a:p>
@@ -8161,6 +8161,66 @@
               </a:lnSpc>
             </a:pPr>
             <a:r>
+              <a:rPr lang="en-GB" dirty="0">
+                <a:latin typeface="Avenir Medium"/>
+                <a:cs typeface="Avenir Medium"/>
+              </a:rPr>
+              <a:t>Programming with </a:t>
+            </a:r>
+            <a:r>
+              <a:rPr lang="en-GB" dirty="0" err="1">
+                <a:latin typeface="Avenir Medium"/>
+                <a:cs typeface="Avenir Medium"/>
+              </a:rPr>
+              <a:t>dplyr</a:t>
+            </a:r>
+            <a:r>
+              <a:rPr lang="en-GB" dirty="0">
+                <a:latin typeface="Avenir Medium"/>
+                <a:cs typeface="Avenir Medium"/>
+              </a:rPr>
+              <a:t> (2021)</a:t>
+            </a:r>
+          </a:p>
+          <a:p>
+            <a:pPr marL="82296" indent="0">
+              <a:lnSpc>
+                <a:spcPct val="120000"/>
+              </a:lnSpc>
+              <a:buNone/>
+            </a:pPr>
+            <a:r>
+              <a:rPr lang="en-GB" dirty="0">
+                <a:latin typeface="Avenir Medium"/>
+                <a:cs typeface="Avenir Medium"/>
+                <a:hlinkClick r:id="rId2"/>
+              </a:rPr>
+              <a:t>https://dplyr.tidyverse.org/articles/programming.html</a:t>
+            </a:r>
+            <a:endParaRPr lang="en-GB">
+              <a:latin typeface="Avenir Medium"/>
+              <a:cs typeface="Avenir Medium"/>
+            </a:endParaRPr>
+          </a:p>
+          <a:p>
+            <a:pPr marL="82296" indent="0">
+              <a:lnSpc>
+                <a:spcPct val="120000"/>
+              </a:lnSpc>
+              <a:buNone/>
+            </a:pPr>
+            <a:endParaRPr lang="en" dirty="0">
+              <a:latin typeface="Avenir Medium"/>
+              <a:cs typeface="Avenir Medium"/>
+            </a:endParaRPr>
+          </a:p>
+          <a:p>
+            <a:pPr>
+              <a:lnSpc>
+                <a:spcPct val="120000"/>
+              </a:lnSpc>
+            </a:pPr>
+            <a:r>
               <a:rPr lang="en" dirty="0">
                 <a:latin typeface="Avenir Medium"/>
                 <a:cs typeface="Avenir Medium"/>
@@ -8179,7 +8239,7 @@
               <a:rPr lang="ro-RO" dirty="0">
                 <a:latin typeface="Avenir Medium"/>
                 <a:cs typeface="Avenir Medium"/>
-                <a:hlinkClick r:id="rId2"/>
+                <a:hlinkClick r:id="rId3"/>
               </a:rPr>
               <a:t>https://suzan.rbind.io/2018/01/dplyr-tutorial-1/#selecting-columns-by-logical-expressions</a:t>
             </a:r>
@@ -8217,7 +8277,7 @@
               <a:rPr lang="en-US" dirty="0">
                 <a:latin typeface="Avenir Medium"/>
                 <a:cs typeface="Avenir Medium"/>
-                <a:hlinkClick r:id="rId3"/>
+                <a:hlinkClick r:id="rId4"/>
               </a:rPr>
               <a:t>https://suzan.rbind.io/2018/02/dplyr-tutorial-2/</a:t>
             </a:r>
@@ -8251,7 +8311,7 @@
               <a:rPr lang="ro-RO" dirty="0">
                 <a:latin typeface="Avenir Medium"/>
                 <a:cs typeface="Avenir Medium"/>
-                <a:hlinkClick r:id="rId4"/>
+                <a:hlinkClick r:id="rId5"/>
               </a:rPr>
               <a:t>https://suzan.rbind.io/2018/02/dplyr-tutorial-3/</a:t>
             </a:r>
@@ -8289,7 +8349,7 @@
               <a:rPr lang="en-US" dirty="0">
                 <a:latin typeface="Avenir Medium"/>
                 <a:cs typeface="Avenir Medium"/>
-                <a:hlinkClick r:id="rId5"/>
+                <a:hlinkClick r:id="rId6"/>
               </a:rPr>
               <a:t>https://suzan.rbind.io/2018/04/dplyr-tutorial-4/</a:t>
             </a:r>
@@ -8299,12 +8359,57 @@
             </a:endParaRPr>
           </a:p>
           <a:p>
+            <a:pPr>
+              <a:lnSpc>
+                <a:spcPct val="120000"/>
+              </a:lnSpc>
+            </a:pPr>
+            <a:r>
+              <a:rPr lang="en" dirty="0">
+                <a:latin typeface="Avenir Medium"/>
+              </a:rPr>
+              <a:t>Getting more out of DPLYR - Suzan </a:t>
+            </a:r>
+            <a:r>
+              <a:rPr lang="en" dirty="0" err="1">
+                <a:latin typeface="Avenir Medium"/>
+              </a:rPr>
+              <a:t>Baert</a:t>
+            </a:r>
+            <a:r>
+              <a:rPr lang="en" dirty="0">
+                <a:latin typeface="Avenir Medium"/>
+              </a:rPr>
+              <a:t> - </a:t>
+            </a:r>
+            <a:r>
+              <a:rPr lang="en" dirty="0" err="1">
+                <a:latin typeface="Avenir Medium"/>
+              </a:rPr>
+              <a:t>SatRday</a:t>
+            </a:r>
+            <a:r>
+              <a:rPr lang="en" dirty="0">
+                <a:latin typeface="Avenir Medium"/>
+              </a:rPr>
+              <a:t> 2018 Amsterdam</a:t>
+            </a:r>
+          </a:p>
+          <a:p>
             <a:pPr marL="82296" indent="0">
               <a:lnSpc>
                 <a:spcPct val="120000"/>
               </a:lnSpc>
               <a:buNone/>
             </a:pPr>
+            <a:r>
+              <a:rPr lang="en-US" dirty="0">
+                <a:latin typeface="Avenir Medium"/>
+                <a:cs typeface="Avenir Medium"/>
+                <a:hlinkClick r:id="rId7"/>
+              </a:rPr>
+              <a:t>https://www.youtube.com/watch?v=RgJtufO_zMo</a:t>
+            </a:r>
             <a:endParaRPr lang="en-US" dirty="0">
               <a:latin typeface="Avenir Medium"/>
               <a:cs typeface="Avenir Medium"/>
@@ -8319,48 +8424,16 @@
             <a:r>
               <a:rPr lang="en" dirty="0">
                 <a:latin typeface="Avenir Medium"/>
-              </a:rPr>
-              <a:t>Getting more out of DPLYR - Suzan </a:t>
+                <a:cs typeface="Avenir Medium"/>
+              </a:rPr>
+              <a:t>Chapter 5 Programming with the </a:t>
             </a:r>
             <a:r>
               <a:rPr lang="en" dirty="0" err="1">
                 <a:latin typeface="Avenir Medium"/>
-              </a:rPr>
-              <a:t>Baert</a:t>
-            </a:r>
-            <a:r>
-              <a:rPr lang="en" dirty="0">
-                <a:latin typeface="Avenir Medium"/>
-              </a:rPr>
-              <a:t> - </a:t>
-            </a:r>
-            <a:r>
-              <a:rPr lang="en" dirty="0" err="1">
-                <a:latin typeface="Avenir Medium"/>
-              </a:rPr>
-              <a:t>SatRday</a:t>
-            </a:r>
-            <a:r>
-              <a:rPr lang="en" dirty="0">
-                <a:latin typeface="Avenir Medium"/>
-              </a:rPr>
-              <a:t> 2018 Amsterdam</a:t>
-            </a:r>
-          </a:p>
-          <a:p>
-            <a:pPr marL="82296" indent="0">
-              <a:lnSpc>
-                <a:spcPct val="120000"/>
-              </a:lnSpc>
-              <a:buNone/>
-            </a:pPr>
-            <a:r>
-              <a:rPr lang="en-US" dirty="0">
-                <a:latin typeface="Avenir Medium"/>
-                <a:cs typeface="Avenir Medium"/>
-                <a:hlinkClick r:id="rId6"/>
-              </a:rPr>
-              <a:t>https://www.youtube.com/watch?v=RgJtufO_zMo</a:t>
+                <a:cs typeface="Avenir Medium"/>
+              </a:rPr>
+              <a:t>tidyverse</a:t>
             </a:r>
             <a:endParaRPr lang="en-US" dirty="0">
               <a:latin typeface="Avenir Medium"/>
@@ -8374,48 +8447,11 @@
               </a:lnSpc>
               <a:buNone/>
             </a:pPr>
-            <a:endParaRPr lang="en-US" dirty="0">
-              <a:latin typeface="Avenir Medium"/>
-              <a:cs typeface="Avenir Medium"/>
-            </a:endParaRPr>
-          </a:p>
-          <a:p>
-            <a:pPr>
-              <a:lnSpc>
-                <a:spcPct val="120000"/>
-              </a:lnSpc>
-            </a:pPr>
-            <a:r>
-              <a:rPr lang="en" dirty="0">
-                <a:latin typeface="Avenir Medium"/>
-                <a:cs typeface="Avenir Medium"/>
-              </a:rPr>
-              <a:t>Chapter 5 Programming with the </a:t>
-            </a:r>
-            <a:r>
-              <a:rPr lang="en" dirty="0" err="1">
-                <a:latin typeface="Avenir Medium"/>
-                <a:cs typeface="Avenir Medium"/>
-              </a:rPr>
-              <a:t>tidyverse</a:t>
-            </a:r>
-            <a:endParaRPr lang="en-US" dirty="0">
-              <a:latin typeface="Avenir Medium"/>
-              <a:cs typeface="Avenir Medium"/>
-            </a:endParaRPr>
-          </a:p>
-          <a:p>
-            <a:pPr marL="82296" indent="0">
-              <a:lnSpc>
-                <a:spcPct val="120000"/>
-              </a:lnSpc>
-              <a:buNone/>
-            </a:pPr>
             <a:r>
               <a:rPr lang="en-US" dirty="0">
                 <a:latin typeface="Avenir Medium"/>
                 <a:cs typeface="Avenir Medium"/>
-                <a:hlinkClick r:id="rId7"/>
+                <a:hlinkClick r:id="rId8"/>
               </a:rPr>
               <a:t>https://b-rodrigues.github.io/fput/prog-tidyverse.html</a:t>
             </a:r>
